--- a/input/assets/images/header.jpg.pptx
+++ b/input/assets/images/header.jpg.pptx
@@ -104,6 +104,11 @@
       </a:defRPr>
     </a:lvl9pPr>
   </p:defaultTextStyle>
+  <p:extLst>
+    <p:ext uri="{EFAFB233-063F-42B5-8137-9DF3F51BA10A}">
+      <p15:sldGuideLst xmlns:p15="http://schemas.microsoft.com/office/powerpoint/2012/main"/>
+    </p:ext>
+  </p:extLst>
 </p:presentation>
 </file>
 
@@ -256,7 +261,7 @@
           <a:p>
             <a:fld id="{D9435A7D-B525-4E55-9E5A-093AA0790800}" type="datetimeFigureOut">
               <a:rPr lang="en-GB" smtClean="0"/>
-              <a:t>17/05/2019</a:t>
+              <a:t>27/05/2019</a:t>
             </a:fld>
             <a:endParaRPr lang="en-GB"/>
           </a:p>
@@ -456,7 +461,7 @@
           <a:p>
             <a:fld id="{D9435A7D-B525-4E55-9E5A-093AA0790800}" type="datetimeFigureOut">
               <a:rPr lang="en-GB" smtClean="0"/>
-              <a:t>17/05/2019</a:t>
+              <a:t>27/05/2019</a:t>
             </a:fld>
             <a:endParaRPr lang="en-GB"/>
           </a:p>
@@ -666,7 +671,7 @@
           <a:p>
             <a:fld id="{D9435A7D-B525-4E55-9E5A-093AA0790800}" type="datetimeFigureOut">
               <a:rPr lang="en-GB" smtClean="0"/>
-              <a:t>17/05/2019</a:t>
+              <a:t>27/05/2019</a:t>
             </a:fld>
             <a:endParaRPr lang="en-GB"/>
           </a:p>
@@ -866,7 +871,7 @@
           <a:p>
             <a:fld id="{D9435A7D-B525-4E55-9E5A-093AA0790800}" type="datetimeFigureOut">
               <a:rPr lang="en-GB" smtClean="0"/>
-              <a:t>17/05/2019</a:t>
+              <a:t>27/05/2019</a:t>
             </a:fld>
             <a:endParaRPr lang="en-GB"/>
           </a:p>
@@ -1142,7 +1147,7 @@
           <a:p>
             <a:fld id="{D9435A7D-B525-4E55-9E5A-093AA0790800}" type="datetimeFigureOut">
               <a:rPr lang="en-GB" smtClean="0"/>
-              <a:t>17/05/2019</a:t>
+              <a:t>27/05/2019</a:t>
             </a:fld>
             <a:endParaRPr lang="en-GB"/>
           </a:p>
@@ -1410,7 +1415,7 @@
           <a:p>
             <a:fld id="{D9435A7D-B525-4E55-9E5A-093AA0790800}" type="datetimeFigureOut">
               <a:rPr lang="en-GB" smtClean="0"/>
-              <a:t>17/05/2019</a:t>
+              <a:t>27/05/2019</a:t>
             </a:fld>
             <a:endParaRPr lang="en-GB"/>
           </a:p>
@@ -1825,7 +1830,7 @@
           <a:p>
             <a:fld id="{D9435A7D-B525-4E55-9E5A-093AA0790800}" type="datetimeFigureOut">
               <a:rPr lang="en-GB" smtClean="0"/>
-              <a:t>17/05/2019</a:t>
+              <a:t>27/05/2019</a:t>
             </a:fld>
             <a:endParaRPr lang="en-GB"/>
           </a:p>
@@ -1967,7 +1972,7 @@
           <a:p>
             <a:fld id="{D9435A7D-B525-4E55-9E5A-093AA0790800}" type="datetimeFigureOut">
               <a:rPr lang="en-GB" smtClean="0"/>
-              <a:t>17/05/2019</a:t>
+              <a:t>27/05/2019</a:t>
             </a:fld>
             <a:endParaRPr lang="en-GB"/>
           </a:p>
@@ -2080,7 +2085,7 @@
           <a:p>
             <a:fld id="{D9435A7D-B525-4E55-9E5A-093AA0790800}" type="datetimeFigureOut">
               <a:rPr lang="en-GB" smtClean="0"/>
-              <a:t>17/05/2019</a:t>
+              <a:t>27/05/2019</a:t>
             </a:fld>
             <a:endParaRPr lang="en-GB"/>
           </a:p>
@@ -2393,7 +2398,7 @@
           <a:p>
             <a:fld id="{D9435A7D-B525-4E55-9E5A-093AA0790800}" type="datetimeFigureOut">
               <a:rPr lang="en-GB" smtClean="0"/>
-              <a:t>17/05/2019</a:t>
+              <a:t>27/05/2019</a:t>
             </a:fld>
             <a:endParaRPr lang="en-GB"/>
           </a:p>
@@ -2682,7 +2687,7 @@
           <a:p>
             <a:fld id="{D9435A7D-B525-4E55-9E5A-093AA0790800}" type="datetimeFigureOut">
               <a:rPr lang="en-GB" smtClean="0"/>
-              <a:t>17/05/2019</a:t>
+              <a:t>27/05/2019</a:t>
             </a:fld>
             <a:endParaRPr lang="en-GB"/>
           </a:p>
@@ -2925,7 +2930,7 @@
           <a:p>
             <a:fld id="{D9435A7D-B525-4E55-9E5A-093AA0790800}" type="datetimeFigureOut">
               <a:rPr lang="en-GB" smtClean="0"/>
-              <a:t>17/05/2019</a:t>
+              <a:t>27/05/2019</a:t>
             </a:fld>
             <a:endParaRPr lang="en-GB"/>
           </a:p>
@@ -3377,8 +3382,8 @@
         </p:blipFill>
         <p:spPr>
           <a:xfrm>
-            <a:off x="10264988" y="1"/>
-            <a:ext cx="1927012" cy="2274072"/>
+            <a:off x="2369816" y="-18607"/>
+            <a:ext cx="1611589" cy="1901841"/>
           </a:xfrm>
           <a:prstGeom prst="rect">
             <a:avLst/>
@@ -3412,7 +3417,7 @@
         </p:blipFill>
         <p:spPr>
           <a:xfrm>
-            <a:off x="604299" y="408876"/>
+            <a:off x="55986" y="170313"/>
             <a:ext cx="2313830" cy="1524003"/>
           </a:xfrm>
           <a:prstGeom prst="rect">
@@ -3422,10 +3427,10 @@
       </p:pic>
       <p:pic>
         <p:nvPicPr>
-          <p:cNvPr id="13" name="Picture 12" descr="A person smiling for the camera&#10;&#10;Description automatically generated">
-            <a:extLst>
-              <a:ext uri="{FF2B5EF4-FFF2-40B4-BE49-F238E27FC236}">
-                <a16:creationId xmlns:a16="http://schemas.microsoft.com/office/drawing/2014/main" id="{A75A97EE-E049-404E-B739-41606144CE4C}"/>
+          <p:cNvPr id="15" name="Picture 14" descr="A group of people sitting at a table&#10;&#10;Description automatically generated">
+            <a:extLst>
+              <a:ext uri="{FF2B5EF4-FFF2-40B4-BE49-F238E27FC236}">
+                <a16:creationId xmlns:a16="http://schemas.microsoft.com/office/drawing/2014/main" id="{B0F926BF-E534-4ACA-8533-E4E707DE6AA9}"/>
               </a:ext>
             </a:extLst>
           </p:cNvPr>
@@ -3442,13 +3447,13 @@
               </a:ext>
             </a:extLst>
           </a:blip>
-          <a:srcRect l="10070" t="-399" r="14236" b="399"/>
+          <a:srcRect l="5958" r="3090"/>
           <a:stretch/>
         </p:blipFill>
         <p:spPr>
           <a:xfrm>
-            <a:off x="7593497" y="2908187"/>
-            <a:ext cx="1296062" cy="1777544"/>
+            <a:off x="5929860" y="-18607"/>
+            <a:ext cx="4864423" cy="1861240"/>
           </a:xfrm>
           <a:prstGeom prst="rect">
             <a:avLst/>
@@ -3457,10 +3462,10 @@
       </p:pic>
       <p:pic>
         <p:nvPicPr>
-          <p:cNvPr id="15" name="Picture 14" descr="A group of people sitting at a table&#10;&#10;Description automatically generated">
-            <a:extLst>
-              <a:ext uri="{FF2B5EF4-FFF2-40B4-BE49-F238E27FC236}">
-                <a16:creationId xmlns:a16="http://schemas.microsoft.com/office/drawing/2014/main" id="{B0F926BF-E534-4ACA-8533-E4E707DE6AA9}"/>
+          <p:cNvPr id="3" name="Picture 2" descr="A picture containing person, wall, indoor, man&#10;&#10;Description automatically generated">
+            <a:extLst>
+              <a:ext uri="{FF2B5EF4-FFF2-40B4-BE49-F238E27FC236}">
+                <a16:creationId xmlns:a16="http://schemas.microsoft.com/office/drawing/2014/main" id="{2A996823-3477-4BF3-B992-4D7E4FD0FDA5}"/>
               </a:ext>
             </a:extLst>
           </p:cNvPr>
@@ -3469,7 +3474,7 @@
           </p:cNvPicPr>
           <p:nvPr/>
         </p:nvPicPr>
-        <p:blipFill>
+        <p:blipFill rotWithShape="1">
           <a:blip r:embed="rId5">
             <a:extLst>
               <a:ext uri="{28A0092B-C50C-407E-A947-70E740481C1C}">
@@ -3477,14 +3482,13 @@
               </a:ext>
             </a:extLst>
           </a:blip>
-          <a:stretch>
-            <a:fillRect/>
-          </a:stretch>
+          <a:srcRect l="33975" t="25811" r="12416" b="-5507"/>
+          <a:stretch/>
         </p:blipFill>
         <p:spPr>
           <a:xfrm>
-            <a:off x="3698493" y="33842"/>
-            <a:ext cx="6534691" cy="2274073"/>
+            <a:off x="3923777" y="5441"/>
+            <a:ext cx="2006083" cy="1988215"/>
           </a:xfrm>
           <a:prstGeom prst="rect">
             <a:avLst/>
